--- a/Calendario/Presentaciones/5_1_DHCP.pptx
+++ b/Calendario/Presentaciones/5_1_DHCP.pptx
@@ -5,7 +5,7 @@
     <p:sldMasterId id="2147483648" r:id="rId1"/>
   </p:sldMasterIdLst>
   <p:notesMasterIdLst>
-    <p:notesMasterId r:id="rId8"/>
+    <p:notesMasterId r:id="rId9"/>
   </p:notesMasterIdLst>
   <p:sldIdLst>
     <p:sldId id="257" r:id="rId2"/>
@@ -14,6 +14,7 @@
     <p:sldId id="326" r:id="rId5"/>
     <p:sldId id="327" r:id="rId6"/>
     <p:sldId id="328" r:id="rId7"/>
+    <p:sldId id="271" r:id="rId8"/>
   </p:sldIdLst>
   <p:sldSz cx="9144000" cy="6858000" type="screen4x3"/>
   <p:notesSz cx="6858000" cy="9144000"/>
@@ -213,7 +214,7 @@
           <a:p>
             <a:fld id="{2D445F07-8756-451B-A938-0248325FC7BB}" type="datetimeFigureOut">
               <a:rPr lang="es-MX" smtClean="0"/>
-              <a:t>03/04/2023</a:t>
+              <a:t>10/04/2023</a:t>
             </a:fld>
             <a:endParaRPr lang="es-MX" dirty="0"/>
           </a:p>
@@ -1002,7 +1003,7 @@
           <a:p>
             <a:fld id="{5E75A0DC-66C6-4CEC-A5EB-F8C97CEC3796}" type="datetimeFigureOut">
               <a:rPr lang="es-MX" smtClean="0"/>
-              <a:t>03/04/2023</a:t>
+              <a:t>10/04/2023</a:t>
             </a:fld>
             <a:endParaRPr lang="es-MX" dirty="0"/>
           </a:p>
@@ -1172,7 +1173,7 @@
           <a:p>
             <a:fld id="{5E75A0DC-66C6-4CEC-A5EB-F8C97CEC3796}" type="datetimeFigureOut">
               <a:rPr lang="es-MX" smtClean="0"/>
-              <a:t>03/04/2023</a:t>
+              <a:t>10/04/2023</a:t>
             </a:fld>
             <a:endParaRPr lang="es-MX" dirty="0"/>
           </a:p>
@@ -1352,7 +1353,7 @@
           <a:p>
             <a:fld id="{5E75A0DC-66C6-4CEC-A5EB-F8C97CEC3796}" type="datetimeFigureOut">
               <a:rPr lang="es-MX" smtClean="0"/>
-              <a:t>03/04/2023</a:t>
+              <a:t>10/04/2023</a:t>
             </a:fld>
             <a:endParaRPr lang="es-MX" dirty="0"/>
           </a:p>
@@ -1522,7 +1523,7 @@
           <a:p>
             <a:fld id="{5E75A0DC-66C6-4CEC-A5EB-F8C97CEC3796}" type="datetimeFigureOut">
               <a:rPr lang="es-MX" smtClean="0"/>
-              <a:t>03/04/2023</a:t>
+              <a:t>10/04/2023</a:t>
             </a:fld>
             <a:endParaRPr lang="es-MX" dirty="0"/>
           </a:p>
@@ -1768,7 +1769,7 @@
           <a:p>
             <a:fld id="{5E75A0DC-66C6-4CEC-A5EB-F8C97CEC3796}" type="datetimeFigureOut">
               <a:rPr lang="es-MX" smtClean="0"/>
-              <a:t>03/04/2023</a:t>
+              <a:t>10/04/2023</a:t>
             </a:fld>
             <a:endParaRPr lang="es-MX" dirty="0"/>
           </a:p>
@@ -2056,7 +2057,7 @@
           <a:p>
             <a:fld id="{5E75A0DC-66C6-4CEC-A5EB-F8C97CEC3796}" type="datetimeFigureOut">
               <a:rPr lang="es-MX" smtClean="0"/>
-              <a:t>03/04/2023</a:t>
+              <a:t>10/04/2023</a:t>
             </a:fld>
             <a:endParaRPr lang="es-MX" dirty="0"/>
           </a:p>
@@ -2478,7 +2479,7 @@
           <a:p>
             <a:fld id="{5E75A0DC-66C6-4CEC-A5EB-F8C97CEC3796}" type="datetimeFigureOut">
               <a:rPr lang="es-MX" smtClean="0"/>
-              <a:t>03/04/2023</a:t>
+              <a:t>10/04/2023</a:t>
             </a:fld>
             <a:endParaRPr lang="es-MX" dirty="0"/>
           </a:p>
@@ -2596,7 +2597,7 @@
           <a:p>
             <a:fld id="{5E75A0DC-66C6-4CEC-A5EB-F8C97CEC3796}" type="datetimeFigureOut">
               <a:rPr lang="es-MX" smtClean="0"/>
-              <a:t>03/04/2023</a:t>
+              <a:t>10/04/2023</a:t>
             </a:fld>
             <a:endParaRPr lang="es-MX" dirty="0"/>
           </a:p>
@@ -2691,7 +2692,7 @@
           <a:p>
             <a:fld id="{5E75A0DC-66C6-4CEC-A5EB-F8C97CEC3796}" type="datetimeFigureOut">
               <a:rPr lang="es-MX" smtClean="0"/>
-              <a:t>03/04/2023</a:t>
+              <a:t>10/04/2023</a:t>
             </a:fld>
             <a:endParaRPr lang="es-MX" dirty="0"/>
           </a:p>
@@ -2968,7 +2969,7 @@
           <a:p>
             <a:fld id="{5E75A0DC-66C6-4CEC-A5EB-F8C97CEC3796}" type="datetimeFigureOut">
               <a:rPr lang="es-MX" smtClean="0"/>
-              <a:t>03/04/2023</a:t>
+              <a:t>10/04/2023</a:t>
             </a:fld>
             <a:endParaRPr lang="es-MX" dirty="0"/>
           </a:p>
@@ -3221,7 +3222,7 @@
           <a:p>
             <a:fld id="{5E75A0DC-66C6-4CEC-A5EB-F8C97CEC3796}" type="datetimeFigureOut">
               <a:rPr lang="es-MX" smtClean="0"/>
-              <a:t>03/04/2023</a:t>
+              <a:t>10/04/2023</a:t>
             </a:fld>
             <a:endParaRPr lang="es-MX" dirty="0"/>
           </a:p>
@@ -3434,7 +3435,7 @@
           <a:p>
             <a:fld id="{5E75A0DC-66C6-4CEC-A5EB-F8C97CEC3796}" type="datetimeFigureOut">
               <a:rPr lang="es-MX" smtClean="0"/>
-              <a:t>03/04/2023</a:t>
+              <a:t>10/04/2023</a:t>
             </a:fld>
             <a:endParaRPr lang="es-MX" dirty="0"/>
           </a:p>
@@ -3898,14 +3899,14 @@
               <a:defRPr/>
             </a:pPr>
             <a:r>
-              <a:rPr lang="es-MX" b="1">
+              <a:rPr lang="es-MX" b="1" dirty="0">
                 <a:solidFill>
                   <a:schemeClr val="accent4">
                     <a:lumMod val="50000"/>
                   </a:schemeClr>
                 </a:solidFill>
               </a:rPr>
-              <a:t>DHCP</a:t>
+              <a:t>DHCP y DNS</a:t>
             </a:r>
           </a:p>
           <a:p>
@@ -3916,7 +3917,7 @@
               <a:defRPr/>
             </a:pPr>
             <a:r>
-              <a:rPr lang="es-MX" sz="2000">
+              <a:rPr lang="es-MX" sz="2000" dirty="0">
                 <a:solidFill>
                   <a:schemeClr val="accent4">
                     <a:lumMod val="50000"/>
@@ -3925,13 +3926,6 @@
               </a:rPr>
               <a:t>Tecnológico de Monterrey, Campus Querétaro</a:t>
             </a:r>
-            <a:endParaRPr lang="es-MX" sz="2000" dirty="0">
-              <a:solidFill>
-                <a:schemeClr val="accent4">
-                  <a:lumMod val="50000"/>
-                </a:schemeClr>
-              </a:solidFill>
-            </a:endParaRPr>
           </a:p>
         </p:txBody>
       </p:sp>
@@ -4413,7 +4407,7 @@
                 </a:solidFill>
                 <a:cs typeface="Arial Narrow"/>
               </a:rPr>
-              <a:t>los servicios DHCP en los ruteadores </a:t>
+              <a:t>los servicios DHCP y DNS en los ruteadores </a:t>
             </a:r>
             <a:r>
               <a:rPr b="1" spc="-11" dirty="0">
@@ -8669,6 +8663,1063 @@
     <p:bldLst>
       <p:bldP spid="35845" grpId="0"/>
       <p:bldP spid="7" grpId="0"/>
+    </p:bldLst>
+  </p:timing>
+</p:sld>
+</file>
+
+<file path=ppt/slides/slide7.xml><?xml version="1.0" encoding="utf-8"?>
+<p:sld xmlns:a="http://schemas.openxmlformats.org/drawingml/2006/main" xmlns:r="http://schemas.openxmlformats.org/officeDocument/2006/relationships" xmlns:p="http://schemas.openxmlformats.org/presentationml/2006/main">
+  <p:cSld>
+    <p:spTree>
+      <p:nvGrpSpPr>
+        <p:cNvPr id="1" name=""/>
+        <p:cNvGrpSpPr/>
+        <p:nvPr/>
+      </p:nvGrpSpPr>
+      <p:grpSpPr>
+        <a:xfrm>
+          <a:off x="0" y="0"/>
+          <a:ext cx="0" cy="0"/>
+          <a:chOff x="0" y="0"/>
+          <a:chExt cx="0" cy="0"/>
+        </a:xfrm>
+      </p:grpSpPr>
+      <p:pic>
+        <p:nvPicPr>
+          <p:cNvPr id="2" name="Imagen 1"/>
+          <p:cNvPicPr>
+            <a:picLocks noChangeAspect="1"/>
+          </p:cNvPicPr>
+          <p:nvPr/>
+        </p:nvPicPr>
+        <p:blipFill>
+          <a:blip r:embed="rId2"/>
+          <a:stretch>
+            <a:fillRect/>
+          </a:stretch>
+        </p:blipFill>
+        <p:spPr>
+          <a:xfrm>
+            <a:off x="1331640" y="3509385"/>
+            <a:ext cx="5935863" cy="2799935"/>
+          </a:xfrm>
+          <a:prstGeom prst="rect">
+            <a:avLst/>
+          </a:prstGeom>
+        </p:spPr>
+      </p:pic>
+      <p:sp>
+        <p:nvSpPr>
+          <p:cNvPr id="35846" name="8 CuadroTexto"/>
+          <p:cNvSpPr txBox="1">
+            <a:spLocks noChangeArrowheads="1"/>
+          </p:cNvSpPr>
+          <p:nvPr/>
+        </p:nvSpPr>
+        <p:spPr bwMode="auto">
+          <a:xfrm>
+            <a:off x="571500" y="1196752"/>
+            <a:ext cx="3286125" cy="400110"/>
+          </a:xfrm>
+          <a:prstGeom prst="rect">
+            <a:avLst/>
+          </a:prstGeom>
+          <a:noFill/>
+          <a:ln>
+            <a:noFill/>
+          </a:ln>
+          <a:extLst>
+            <a:ext uri="{909E8E84-426E-40DD-AFC4-6F175D3DCCD1}">
+              <a14:hiddenFill xmlns:a14="http://schemas.microsoft.com/office/drawing/2010/main">
+                <a:solidFill>
+                  <a:srgbClr val="FFFFFF"/>
+                </a:solidFill>
+              </a14:hiddenFill>
+            </a:ext>
+            <a:ext uri="{91240B29-F687-4F45-9708-019B960494DF}">
+              <a14:hiddenLine xmlns:a14="http://schemas.microsoft.com/office/drawing/2010/main" w="9525">
+                <a:solidFill>
+                  <a:srgbClr val="000000"/>
+                </a:solidFill>
+                <a:miter lim="800000"/>
+                <a:headEnd/>
+                <a:tailEnd/>
+              </a14:hiddenLine>
+            </a:ext>
+          </a:extLst>
+        </p:spPr>
+        <p:txBody>
+          <a:bodyPr>
+            <a:spAutoFit/>
+          </a:bodyPr>
+          <a:lstStyle>
+            <a:lvl1pPr eaLnBrk="0" hangingPunct="0">
+              <a:defRPr sz="2400">
+                <a:solidFill>
+                  <a:schemeClr val="tx1"/>
+                </a:solidFill>
+                <a:latin typeface="Times New Roman" pitchFamily="18" charset="0"/>
+              </a:defRPr>
+            </a:lvl1pPr>
+            <a:lvl2pPr marL="742950" indent="-285750" eaLnBrk="0" hangingPunct="0">
+              <a:defRPr sz="2400">
+                <a:solidFill>
+                  <a:schemeClr val="tx1"/>
+                </a:solidFill>
+                <a:latin typeface="Times New Roman" pitchFamily="18" charset="0"/>
+              </a:defRPr>
+            </a:lvl2pPr>
+            <a:lvl3pPr marL="1143000" indent="-228600" eaLnBrk="0" hangingPunct="0">
+              <a:defRPr sz="2400">
+                <a:solidFill>
+                  <a:schemeClr val="tx1"/>
+                </a:solidFill>
+                <a:latin typeface="Times New Roman" pitchFamily="18" charset="0"/>
+              </a:defRPr>
+            </a:lvl3pPr>
+            <a:lvl4pPr marL="1600200" indent="-228600" eaLnBrk="0" hangingPunct="0">
+              <a:defRPr sz="2400">
+                <a:solidFill>
+                  <a:schemeClr val="tx1"/>
+                </a:solidFill>
+                <a:latin typeface="Times New Roman" pitchFamily="18" charset="0"/>
+              </a:defRPr>
+            </a:lvl4pPr>
+            <a:lvl5pPr marL="2057400" indent="-228600" eaLnBrk="0" hangingPunct="0">
+              <a:defRPr sz="2400">
+                <a:solidFill>
+                  <a:schemeClr val="tx1"/>
+                </a:solidFill>
+                <a:latin typeface="Times New Roman" pitchFamily="18" charset="0"/>
+              </a:defRPr>
+            </a:lvl5pPr>
+            <a:lvl6pPr marL="2514600" indent="-228600" eaLnBrk="0" fontAlgn="base" hangingPunct="0">
+              <a:spcBef>
+                <a:spcPct val="0"/>
+              </a:spcBef>
+              <a:spcAft>
+                <a:spcPct val="0"/>
+              </a:spcAft>
+              <a:defRPr sz="2400">
+                <a:solidFill>
+                  <a:schemeClr val="tx1"/>
+                </a:solidFill>
+                <a:latin typeface="Times New Roman" pitchFamily="18" charset="0"/>
+              </a:defRPr>
+            </a:lvl6pPr>
+            <a:lvl7pPr marL="2971800" indent="-228600" eaLnBrk="0" fontAlgn="base" hangingPunct="0">
+              <a:spcBef>
+                <a:spcPct val="0"/>
+              </a:spcBef>
+              <a:spcAft>
+                <a:spcPct val="0"/>
+              </a:spcAft>
+              <a:defRPr sz="2400">
+                <a:solidFill>
+                  <a:schemeClr val="tx1"/>
+                </a:solidFill>
+                <a:latin typeface="Times New Roman" pitchFamily="18" charset="0"/>
+              </a:defRPr>
+            </a:lvl7pPr>
+            <a:lvl8pPr marL="3429000" indent="-228600" eaLnBrk="0" fontAlgn="base" hangingPunct="0">
+              <a:spcBef>
+                <a:spcPct val="0"/>
+              </a:spcBef>
+              <a:spcAft>
+                <a:spcPct val="0"/>
+              </a:spcAft>
+              <a:defRPr sz="2400">
+                <a:solidFill>
+                  <a:schemeClr val="tx1"/>
+                </a:solidFill>
+                <a:latin typeface="Times New Roman" pitchFamily="18" charset="0"/>
+              </a:defRPr>
+            </a:lvl8pPr>
+            <a:lvl9pPr marL="3886200" indent="-228600" eaLnBrk="0" fontAlgn="base" hangingPunct="0">
+              <a:spcBef>
+                <a:spcPct val="0"/>
+              </a:spcBef>
+              <a:spcAft>
+                <a:spcPct val="0"/>
+              </a:spcAft>
+              <a:defRPr sz="2400">
+                <a:solidFill>
+                  <a:schemeClr val="tx1"/>
+                </a:solidFill>
+                <a:latin typeface="Times New Roman" pitchFamily="18" charset="0"/>
+              </a:defRPr>
+            </a:lvl9pPr>
+          </a:lstStyle>
+          <a:p>
+            <a:r>
+              <a:rPr lang="es-MX" sz="2000" b="1" dirty="0">
+                <a:solidFill>
+                  <a:schemeClr val="accent6">
+                    <a:lumMod val="75000"/>
+                  </a:schemeClr>
+                </a:solidFill>
+                <a:latin typeface="Arial" panose="020B0604020202020204" pitchFamily="34" charset="0"/>
+                <a:cs typeface="Arial" panose="020B0604020202020204" pitchFamily="34" charset="0"/>
+              </a:rPr>
+              <a:t>DNS </a:t>
+            </a:r>
+            <a:r>
+              <a:rPr lang="es-MX" sz="1800" i="1" dirty="0">
+                <a:solidFill>
+                  <a:schemeClr val="bg2">
+                    <a:lumMod val="25000"/>
+                  </a:schemeClr>
+                </a:solidFill>
+                <a:latin typeface="Arial" panose="020B0604020202020204" pitchFamily="34" charset="0"/>
+                <a:cs typeface="Arial" panose="020B0604020202020204" pitchFamily="34" charset="0"/>
+              </a:rPr>
+              <a:t>(</a:t>
+            </a:r>
+            <a:r>
+              <a:rPr lang="en-US" sz="1800" b="1" i="1" dirty="0">
+                <a:solidFill>
+                  <a:schemeClr val="bg2">
+                    <a:lumMod val="25000"/>
+                  </a:schemeClr>
+                </a:solidFill>
+                <a:latin typeface="Arial" panose="020B0604020202020204" pitchFamily="34" charset="0"/>
+                <a:cs typeface="Arial" panose="020B0604020202020204" pitchFamily="34" charset="0"/>
+              </a:rPr>
+              <a:t>D</a:t>
+            </a:r>
+            <a:r>
+              <a:rPr lang="en-US" sz="1800" i="1" dirty="0">
+                <a:solidFill>
+                  <a:schemeClr val="bg2">
+                    <a:lumMod val="25000"/>
+                  </a:schemeClr>
+                </a:solidFill>
+                <a:latin typeface="Arial" panose="020B0604020202020204" pitchFamily="34" charset="0"/>
+                <a:cs typeface="Arial" panose="020B0604020202020204" pitchFamily="34" charset="0"/>
+              </a:rPr>
+              <a:t>omain </a:t>
+            </a:r>
+            <a:r>
+              <a:rPr lang="en-US" sz="1800" b="1" i="1" dirty="0">
+                <a:solidFill>
+                  <a:schemeClr val="bg2">
+                    <a:lumMod val="25000"/>
+                  </a:schemeClr>
+                </a:solidFill>
+                <a:latin typeface="Arial" panose="020B0604020202020204" pitchFamily="34" charset="0"/>
+                <a:cs typeface="Arial" panose="020B0604020202020204" pitchFamily="34" charset="0"/>
+              </a:rPr>
+              <a:t>N</a:t>
+            </a:r>
+            <a:r>
+              <a:rPr lang="en-US" sz="1800" i="1" dirty="0">
+                <a:solidFill>
+                  <a:schemeClr val="bg2">
+                    <a:lumMod val="25000"/>
+                  </a:schemeClr>
+                </a:solidFill>
+                <a:latin typeface="Arial" panose="020B0604020202020204" pitchFamily="34" charset="0"/>
+                <a:cs typeface="Arial" panose="020B0604020202020204" pitchFamily="34" charset="0"/>
+              </a:rPr>
+              <a:t>ame </a:t>
+            </a:r>
+            <a:r>
+              <a:rPr lang="en-US" sz="1800" b="1" i="1" dirty="0">
+                <a:solidFill>
+                  <a:schemeClr val="bg2">
+                    <a:lumMod val="25000"/>
+                  </a:schemeClr>
+                </a:solidFill>
+                <a:latin typeface="Arial" panose="020B0604020202020204" pitchFamily="34" charset="0"/>
+                <a:cs typeface="Arial" panose="020B0604020202020204" pitchFamily="34" charset="0"/>
+              </a:rPr>
+              <a:t>S</a:t>
+            </a:r>
+            <a:r>
+              <a:rPr lang="en-US" sz="1800" i="1" dirty="0">
+                <a:solidFill>
+                  <a:schemeClr val="bg2">
+                    <a:lumMod val="25000"/>
+                  </a:schemeClr>
+                </a:solidFill>
+                <a:latin typeface="Arial" panose="020B0604020202020204" pitchFamily="34" charset="0"/>
+                <a:cs typeface="Arial" panose="020B0604020202020204" pitchFamily="34" charset="0"/>
+              </a:rPr>
+              <a:t>ystem)</a:t>
+            </a:r>
+            <a:endParaRPr lang="es-MX" sz="1800" b="1" dirty="0">
+              <a:solidFill>
+                <a:schemeClr val="bg2">
+                  <a:lumMod val="25000"/>
+                </a:schemeClr>
+              </a:solidFill>
+              <a:latin typeface="Arial" panose="020B0604020202020204" pitchFamily="34" charset="0"/>
+              <a:cs typeface="Arial" panose="020B0604020202020204" pitchFamily="34" charset="0"/>
+            </a:endParaRPr>
+          </a:p>
+        </p:txBody>
+      </p:sp>
+      <p:sp>
+        <p:nvSpPr>
+          <p:cNvPr id="35847" name="9 CuadroTexto"/>
+          <p:cNvSpPr txBox="1">
+            <a:spLocks noChangeArrowheads="1"/>
+          </p:cNvSpPr>
+          <p:nvPr/>
+        </p:nvSpPr>
+        <p:spPr bwMode="auto">
+          <a:xfrm>
+            <a:off x="571500" y="1839388"/>
+            <a:ext cx="7643813" cy="379463"/>
+          </a:xfrm>
+          <a:prstGeom prst="rect">
+            <a:avLst/>
+          </a:prstGeom>
+          <a:noFill/>
+          <a:ln>
+            <a:noFill/>
+          </a:ln>
+          <a:extLst>
+            <a:ext uri="{909E8E84-426E-40DD-AFC4-6F175D3DCCD1}">
+              <a14:hiddenFill xmlns:a14="http://schemas.microsoft.com/office/drawing/2010/main">
+                <a:solidFill>
+                  <a:srgbClr val="FFFFFF"/>
+                </a:solidFill>
+              </a14:hiddenFill>
+            </a:ext>
+            <a:ext uri="{91240B29-F687-4F45-9708-019B960494DF}">
+              <a14:hiddenLine xmlns:a14="http://schemas.microsoft.com/office/drawing/2010/main" w="9525">
+                <a:solidFill>
+                  <a:srgbClr val="000000"/>
+                </a:solidFill>
+                <a:miter lim="800000"/>
+                <a:headEnd/>
+                <a:tailEnd/>
+              </a14:hiddenLine>
+            </a:ext>
+          </a:extLst>
+        </p:spPr>
+        <p:txBody>
+          <a:bodyPr>
+            <a:spAutoFit/>
+          </a:bodyPr>
+          <a:lstStyle>
+            <a:lvl1pPr eaLnBrk="0" hangingPunct="0">
+              <a:defRPr sz="2400">
+                <a:solidFill>
+                  <a:schemeClr val="tx1"/>
+                </a:solidFill>
+                <a:latin typeface="Times New Roman" pitchFamily="18" charset="0"/>
+              </a:defRPr>
+            </a:lvl1pPr>
+            <a:lvl2pPr marL="742950" indent="-285750" eaLnBrk="0" hangingPunct="0">
+              <a:defRPr sz="2400">
+                <a:solidFill>
+                  <a:schemeClr val="tx1"/>
+                </a:solidFill>
+                <a:latin typeface="Times New Roman" pitchFamily="18" charset="0"/>
+              </a:defRPr>
+            </a:lvl2pPr>
+            <a:lvl3pPr marL="1143000" indent="-228600" eaLnBrk="0" hangingPunct="0">
+              <a:defRPr sz="2400">
+                <a:solidFill>
+                  <a:schemeClr val="tx1"/>
+                </a:solidFill>
+                <a:latin typeface="Times New Roman" pitchFamily="18" charset="0"/>
+              </a:defRPr>
+            </a:lvl3pPr>
+            <a:lvl4pPr marL="1600200" indent="-228600" eaLnBrk="0" hangingPunct="0">
+              <a:defRPr sz="2400">
+                <a:solidFill>
+                  <a:schemeClr val="tx1"/>
+                </a:solidFill>
+                <a:latin typeface="Times New Roman" pitchFamily="18" charset="0"/>
+              </a:defRPr>
+            </a:lvl4pPr>
+            <a:lvl5pPr marL="2057400" indent="-228600" eaLnBrk="0" hangingPunct="0">
+              <a:defRPr sz="2400">
+                <a:solidFill>
+                  <a:schemeClr val="tx1"/>
+                </a:solidFill>
+                <a:latin typeface="Times New Roman" pitchFamily="18" charset="0"/>
+              </a:defRPr>
+            </a:lvl5pPr>
+            <a:lvl6pPr marL="2514600" indent="-228600" eaLnBrk="0" fontAlgn="base" hangingPunct="0">
+              <a:spcBef>
+                <a:spcPct val="0"/>
+              </a:spcBef>
+              <a:spcAft>
+                <a:spcPct val="0"/>
+              </a:spcAft>
+              <a:defRPr sz="2400">
+                <a:solidFill>
+                  <a:schemeClr val="tx1"/>
+                </a:solidFill>
+                <a:latin typeface="Times New Roman" pitchFamily="18" charset="0"/>
+              </a:defRPr>
+            </a:lvl6pPr>
+            <a:lvl7pPr marL="2971800" indent="-228600" eaLnBrk="0" fontAlgn="base" hangingPunct="0">
+              <a:spcBef>
+                <a:spcPct val="0"/>
+              </a:spcBef>
+              <a:spcAft>
+                <a:spcPct val="0"/>
+              </a:spcAft>
+              <a:defRPr sz="2400">
+                <a:solidFill>
+                  <a:schemeClr val="tx1"/>
+                </a:solidFill>
+                <a:latin typeface="Times New Roman" pitchFamily="18" charset="0"/>
+              </a:defRPr>
+            </a:lvl7pPr>
+            <a:lvl8pPr marL="3429000" indent="-228600" eaLnBrk="0" fontAlgn="base" hangingPunct="0">
+              <a:spcBef>
+                <a:spcPct val="0"/>
+              </a:spcBef>
+              <a:spcAft>
+                <a:spcPct val="0"/>
+              </a:spcAft>
+              <a:defRPr sz="2400">
+                <a:solidFill>
+                  <a:schemeClr val="tx1"/>
+                </a:solidFill>
+                <a:latin typeface="Times New Roman" pitchFamily="18" charset="0"/>
+              </a:defRPr>
+            </a:lvl8pPr>
+            <a:lvl9pPr marL="3886200" indent="-228600" eaLnBrk="0" fontAlgn="base" hangingPunct="0">
+              <a:spcBef>
+                <a:spcPct val="0"/>
+              </a:spcBef>
+              <a:spcAft>
+                <a:spcPct val="0"/>
+              </a:spcAft>
+              <a:defRPr sz="2400">
+                <a:solidFill>
+                  <a:schemeClr val="tx1"/>
+                </a:solidFill>
+                <a:latin typeface="Times New Roman" pitchFamily="18" charset="0"/>
+              </a:defRPr>
+            </a:lvl9pPr>
+          </a:lstStyle>
+          <a:p>
+            <a:pPr algn="just">
+              <a:lnSpc>
+                <a:spcPts val="2500"/>
+              </a:lnSpc>
+            </a:pPr>
+            <a:r>
+              <a:rPr lang="es-MX" sz="1600" b="1" dirty="0">
+                <a:solidFill>
+                  <a:schemeClr val="accent5">
+                    <a:lumMod val="75000"/>
+                  </a:schemeClr>
+                </a:solidFill>
+                <a:latin typeface="Arial" panose="020B0604020202020204" pitchFamily="34" charset="0"/>
+                <a:cs typeface="Arial" panose="020B0604020202020204" pitchFamily="34" charset="0"/>
+              </a:rPr>
+              <a:t>Protocolo de Internet que traduce nombres de dominio a sus direcciones IP.</a:t>
+            </a:r>
+            <a:endParaRPr lang="es-MX" sz="1600" dirty="0">
+              <a:solidFill>
+                <a:schemeClr val="bg2">
+                  <a:lumMod val="25000"/>
+                </a:schemeClr>
+              </a:solidFill>
+              <a:latin typeface="Arial" panose="020B0604020202020204" pitchFamily="34" charset="0"/>
+              <a:cs typeface="Arial" panose="020B0604020202020204" pitchFamily="34" charset="0"/>
+            </a:endParaRPr>
+          </a:p>
+        </p:txBody>
+      </p:sp>
+      <p:sp>
+        <p:nvSpPr>
+          <p:cNvPr id="8" name="Rectangle 2"/>
+          <p:cNvSpPr txBox="1">
+            <a:spLocks noChangeArrowheads="1"/>
+          </p:cNvSpPr>
+          <p:nvPr/>
+        </p:nvSpPr>
+        <p:spPr>
+          <a:xfrm>
+            <a:off x="144016" y="53752"/>
+            <a:ext cx="8964488" cy="1143000"/>
+          </a:xfrm>
+          <a:prstGeom prst="rect">
+            <a:avLst/>
+          </a:prstGeom>
+        </p:spPr>
+        <p:txBody>
+          <a:bodyPr vert="horz" lIns="92075" tIns="46038" rIns="92075" bIns="46038" rtlCol="0" anchor="ctr">
+            <a:noAutofit/>
+          </a:bodyPr>
+          <a:lstStyle>
+            <a:lvl1pPr algn="ctr" defTabSz="914400" rtl="0" eaLnBrk="1" latinLnBrk="0" hangingPunct="1">
+              <a:spcBef>
+                <a:spcPct val="0"/>
+              </a:spcBef>
+              <a:buNone/>
+              <a:defRPr sz="4400" kern="1200">
+                <a:solidFill>
+                  <a:schemeClr val="tx1"/>
+                </a:solidFill>
+                <a:latin typeface="+mj-lt"/>
+                <a:ea typeface="+mj-ea"/>
+                <a:cs typeface="+mj-cs"/>
+              </a:defRPr>
+            </a:lvl1pPr>
+          </a:lstStyle>
+          <a:p>
+            <a:pPr>
+              <a:defRPr/>
+            </a:pPr>
+            <a:r>
+              <a:rPr lang="es-ES_tradnl" sz="3200" dirty="0">
+                <a:solidFill>
+                  <a:srgbClr val="3333CC"/>
+                </a:solidFill>
+                <a:effectLst>
+                  <a:outerShdw blurRad="38100" dist="38100" dir="2700000" algn="tl">
+                    <a:srgbClr val="C0C0C0"/>
+                  </a:outerShdw>
+                </a:effectLst>
+                <a:latin typeface="Dom Casual" charset="0"/>
+              </a:rPr>
+              <a:t> </a:t>
+            </a:r>
+            <a:r>
+              <a:rPr lang="es-ES_tradnl" sz="3200" b="1" dirty="0" err="1">
+                <a:solidFill>
+                  <a:schemeClr val="accent4">
+                    <a:lumMod val="50000"/>
+                  </a:schemeClr>
+                </a:solidFill>
+                <a:effectLst>
+                  <a:outerShdw blurRad="38100" dist="38100" dir="2700000" algn="tl">
+                    <a:srgbClr val="C0C0C0"/>
+                  </a:outerShdw>
+                </a:effectLst>
+                <a:latin typeface="Dom Casual" charset="0"/>
+              </a:rPr>
+              <a:t>Domain</a:t>
+            </a:r>
+            <a:r>
+              <a:rPr lang="es-ES_tradnl" sz="3200" b="1" dirty="0">
+                <a:solidFill>
+                  <a:schemeClr val="accent4">
+                    <a:lumMod val="50000"/>
+                  </a:schemeClr>
+                </a:solidFill>
+                <a:effectLst>
+                  <a:outerShdw blurRad="38100" dist="38100" dir="2700000" algn="tl">
+                    <a:srgbClr val="C0C0C0"/>
+                  </a:outerShdw>
+                </a:effectLst>
+                <a:latin typeface="Dom Casual" charset="0"/>
+              </a:rPr>
+              <a:t> </a:t>
+            </a:r>
+            <a:r>
+              <a:rPr lang="es-ES_tradnl" sz="3200" b="1" dirty="0" err="1">
+                <a:solidFill>
+                  <a:schemeClr val="accent4">
+                    <a:lumMod val="50000"/>
+                  </a:schemeClr>
+                </a:solidFill>
+                <a:effectLst>
+                  <a:outerShdw blurRad="38100" dist="38100" dir="2700000" algn="tl">
+                    <a:srgbClr val="C0C0C0"/>
+                  </a:outerShdw>
+                </a:effectLst>
+                <a:latin typeface="Dom Casual" charset="0"/>
+              </a:rPr>
+              <a:t>Name</a:t>
+            </a:r>
+            <a:r>
+              <a:rPr lang="es-ES_tradnl" sz="3200" b="1" dirty="0">
+                <a:solidFill>
+                  <a:schemeClr val="accent4">
+                    <a:lumMod val="50000"/>
+                  </a:schemeClr>
+                </a:solidFill>
+                <a:effectLst>
+                  <a:outerShdw blurRad="38100" dist="38100" dir="2700000" algn="tl">
+                    <a:srgbClr val="C0C0C0"/>
+                  </a:outerShdw>
+                </a:effectLst>
+                <a:latin typeface="Dom Casual" charset="0"/>
+              </a:rPr>
+              <a:t> </a:t>
+            </a:r>
+            <a:r>
+              <a:rPr lang="es-ES_tradnl" sz="3200" b="1" dirty="0" err="1">
+                <a:solidFill>
+                  <a:schemeClr val="accent4">
+                    <a:lumMod val="50000"/>
+                  </a:schemeClr>
+                </a:solidFill>
+                <a:effectLst>
+                  <a:outerShdw blurRad="38100" dist="38100" dir="2700000" algn="tl">
+                    <a:srgbClr val="C0C0C0"/>
+                  </a:outerShdw>
+                </a:effectLst>
+                <a:latin typeface="Dom Casual" charset="0"/>
+              </a:rPr>
+              <a:t>System</a:t>
+            </a:r>
+            <a:r>
+              <a:rPr lang="es-ES_tradnl" sz="3200" b="1" dirty="0">
+                <a:solidFill>
+                  <a:schemeClr val="accent4">
+                    <a:lumMod val="50000"/>
+                  </a:schemeClr>
+                </a:solidFill>
+                <a:effectLst>
+                  <a:outerShdw blurRad="38100" dist="38100" dir="2700000" algn="tl">
+                    <a:srgbClr val="C0C0C0"/>
+                  </a:outerShdw>
+                </a:effectLst>
+                <a:latin typeface="Dom Casual" charset="0"/>
+              </a:rPr>
+              <a:t> (DNS)</a:t>
+            </a:r>
+          </a:p>
+        </p:txBody>
+      </p:sp>
+      <p:sp>
+        <p:nvSpPr>
+          <p:cNvPr id="9" name="9 CuadroTexto"/>
+          <p:cNvSpPr txBox="1">
+            <a:spLocks noChangeArrowheads="1"/>
+          </p:cNvSpPr>
+          <p:nvPr/>
+        </p:nvSpPr>
+        <p:spPr bwMode="auto">
+          <a:xfrm>
+            <a:off x="571499" y="2461377"/>
+            <a:ext cx="7643814" cy="1020664"/>
+          </a:xfrm>
+          <a:prstGeom prst="rect">
+            <a:avLst/>
+          </a:prstGeom>
+          <a:noFill/>
+          <a:ln>
+            <a:noFill/>
+          </a:ln>
+          <a:extLst>
+            <a:ext uri="{909E8E84-426E-40DD-AFC4-6F175D3DCCD1}">
+              <a14:hiddenFill xmlns:a14="http://schemas.microsoft.com/office/drawing/2010/main">
+                <a:solidFill>
+                  <a:srgbClr val="FFFFFF"/>
+                </a:solidFill>
+              </a14:hiddenFill>
+            </a:ext>
+            <a:ext uri="{91240B29-F687-4F45-9708-019B960494DF}">
+              <a14:hiddenLine xmlns:a14="http://schemas.microsoft.com/office/drawing/2010/main" w="9525">
+                <a:solidFill>
+                  <a:srgbClr val="000000"/>
+                </a:solidFill>
+                <a:miter lim="800000"/>
+                <a:headEnd/>
+                <a:tailEnd/>
+              </a14:hiddenLine>
+            </a:ext>
+          </a:extLst>
+        </p:spPr>
+        <p:txBody>
+          <a:bodyPr wrap="square">
+            <a:spAutoFit/>
+          </a:bodyPr>
+          <a:lstStyle>
+            <a:lvl1pPr eaLnBrk="0" hangingPunct="0">
+              <a:defRPr sz="2400">
+                <a:solidFill>
+                  <a:schemeClr val="tx1"/>
+                </a:solidFill>
+                <a:latin typeface="Times New Roman" pitchFamily="18" charset="0"/>
+              </a:defRPr>
+            </a:lvl1pPr>
+            <a:lvl2pPr marL="742950" indent="-285750" eaLnBrk="0" hangingPunct="0">
+              <a:defRPr sz="2400">
+                <a:solidFill>
+                  <a:schemeClr val="tx1"/>
+                </a:solidFill>
+                <a:latin typeface="Times New Roman" pitchFamily="18" charset="0"/>
+              </a:defRPr>
+            </a:lvl2pPr>
+            <a:lvl3pPr marL="1143000" indent="-228600" eaLnBrk="0" hangingPunct="0">
+              <a:defRPr sz="2400">
+                <a:solidFill>
+                  <a:schemeClr val="tx1"/>
+                </a:solidFill>
+                <a:latin typeface="Times New Roman" pitchFamily="18" charset="0"/>
+              </a:defRPr>
+            </a:lvl3pPr>
+            <a:lvl4pPr marL="1600200" indent="-228600" eaLnBrk="0" hangingPunct="0">
+              <a:defRPr sz="2400">
+                <a:solidFill>
+                  <a:schemeClr val="tx1"/>
+                </a:solidFill>
+                <a:latin typeface="Times New Roman" pitchFamily="18" charset="0"/>
+              </a:defRPr>
+            </a:lvl4pPr>
+            <a:lvl5pPr marL="2057400" indent="-228600" eaLnBrk="0" hangingPunct="0">
+              <a:defRPr sz="2400">
+                <a:solidFill>
+                  <a:schemeClr val="tx1"/>
+                </a:solidFill>
+                <a:latin typeface="Times New Roman" pitchFamily="18" charset="0"/>
+              </a:defRPr>
+            </a:lvl5pPr>
+            <a:lvl6pPr marL="2514600" indent="-228600" eaLnBrk="0" fontAlgn="base" hangingPunct="0">
+              <a:spcBef>
+                <a:spcPct val="0"/>
+              </a:spcBef>
+              <a:spcAft>
+                <a:spcPct val="0"/>
+              </a:spcAft>
+              <a:defRPr sz="2400">
+                <a:solidFill>
+                  <a:schemeClr val="tx1"/>
+                </a:solidFill>
+                <a:latin typeface="Times New Roman" pitchFamily="18" charset="0"/>
+              </a:defRPr>
+            </a:lvl6pPr>
+            <a:lvl7pPr marL="2971800" indent="-228600" eaLnBrk="0" fontAlgn="base" hangingPunct="0">
+              <a:spcBef>
+                <a:spcPct val="0"/>
+              </a:spcBef>
+              <a:spcAft>
+                <a:spcPct val="0"/>
+              </a:spcAft>
+              <a:defRPr sz="2400">
+                <a:solidFill>
+                  <a:schemeClr val="tx1"/>
+                </a:solidFill>
+                <a:latin typeface="Times New Roman" pitchFamily="18" charset="0"/>
+              </a:defRPr>
+            </a:lvl7pPr>
+            <a:lvl8pPr marL="3429000" indent="-228600" eaLnBrk="0" fontAlgn="base" hangingPunct="0">
+              <a:spcBef>
+                <a:spcPct val="0"/>
+              </a:spcBef>
+              <a:spcAft>
+                <a:spcPct val="0"/>
+              </a:spcAft>
+              <a:defRPr sz="2400">
+                <a:solidFill>
+                  <a:schemeClr val="tx1"/>
+                </a:solidFill>
+                <a:latin typeface="Times New Roman" pitchFamily="18" charset="0"/>
+              </a:defRPr>
+            </a:lvl8pPr>
+            <a:lvl9pPr marL="3886200" indent="-228600" eaLnBrk="0" fontAlgn="base" hangingPunct="0">
+              <a:spcBef>
+                <a:spcPct val="0"/>
+              </a:spcBef>
+              <a:spcAft>
+                <a:spcPct val="0"/>
+              </a:spcAft>
+              <a:defRPr sz="2400">
+                <a:solidFill>
+                  <a:schemeClr val="tx1"/>
+                </a:solidFill>
+                <a:latin typeface="Times New Roman" pitchFamily="18" charset="0"/>
+              </a:defRPr>
+            </a:lvl9pPr>
+          </a:lstStyle>
+          <a:p>
+            <a:pPr algn="just">
+              <a:lnSpc>
+                <a:spcPts val="2500"/>
+              </a:lnSpc>
+            </a:pPr>
+            <a:r>
+              <a:rPr lang="es-MX" sz="1600" dirty="0">
+                <a:solidFill>
+                  <a:schemeClr val="bg2">
+                    <a:lumMod val="25000"/>
+                  </a:schemeClr>
+                </a:solidFill>
+                <a:latin typeface="Arial" panose="020B0604020202020204" pitchFamily="34" charset="0"/>
+                <a:cs typeface="Arial" panose="020B0604020202020204" pitchFamily="34" charset="0"/>
+              </a:rPr>
+              <a:t>Cada que usas un nombre de dominio, el servicio DNS traduce el nombre a su correspondiente dirección IP. Por ejemplo el nombre de dominio </a:t>
+            </a:r>
+            <a:r>
+              <a:rPr lang="es-MX" sz="1600" u="sng" dirty="0">
+                <a:solidFill>
+                  <a:schemeClr val="bg2">
+                    <a:lumMod val="25000"/>
+                  </a:schemeClr>
+                </a:solidFill>
+                <a:latin typeface="Arial" panose="020B0604020202020204" pitchFamily="34" charset="0"/>
+                <a:cs typeface="Arial" panose="020B0604020202020204" pitchFamily="34" charset="0"/>
+              </a:rPr>
+              <a:t>www.example.com</a:t>
+            </a:r>
+            <a:r>
+              <a:rPr lang="es-MX" sz="1600" dirty="0">
+                <a:solidFill>
+                  <a:schemeClr val="bg2">
+                    <a:lumMod val="25000"/>
+                  </a:schemeClr>
+                </a:solidFill>
+                <a:latin typeface="Arial" panose="020B0604020202020204" pitchFamily="34" charset="0"/>
+                <a:cs typeface="Arial" panose="020B0604020202020204" pitchFamily="34" charset="0"/>
+              </a:rPr>
+              <a:t> se podría traducir a 198.105.232.4</a:t>
+            </a:r>
+          </a:p>
+        </p:txBody>
+      </p:sp>
+    </p:spTree>
+    <p:extLst>
+      <p:ext uri="{BB962C8B-B14F-4D97-AF65-F5344CB8AC3E}">
+        <p14:creationId xmlns:p14="http://schemas.microsoft.com/office/powerpoint/2010/main" val="275815939"/>
+      </p:ext>
+    </p:extLst>
+  </p:cSld>
+  <p:clrMapOvr>
+    <a:masterClrMapping/>
+  </p:clrMapOvr>
+  <p:timing>
+    <p:tnLst>
+      <p:par>
+        <p:cTn id="1" dur="indefinite" restart="never" nodeType="tmRoot">
+          <p:childTnLst>
+            <p:seq concurrent="1" nextAc="seek">
+              <p:cTn id="2" dur="indefinite" nodeType="mainSeq">
+                <p:childTnLst>
+                  <p:par>
+                    <p:cTn id="3" fill="hold" nodeType="clickPar">
+                      <p:stCondLst>
+                        <p:cond delay="indefinite"/>
+                      </p:stCondLst>
+                      <p:childTnLst>
+                        <p:par>
+                          <p:cTn id="4" fill="hold" nodeType="withGroup">
+                            <p:stCondLst>
+                              <p:cond delay="0"/>
+                            </p:stCondLst>
+                            <p:childTnLst>
+                              <p:par>
+                                <p:cTn id="5" presetID="4" presetClass="entr" presetSubtype="16" fill="hold" grpId="0" nodeType="clickEffect">
+                                  <p:stCondLst>
+                                    <p:cond delay="0"/>
+                                  </p:stCondLst>
+                                  <p:childTnLst>
+                                    <p:set>
+                                      <p:cBhvr>
+                                        <p:cTn id="6" dur="1" fill="hold">
+                                          <p:stCondLst>
+                                            <p:cond delay="0"/>
+                                          </p:stCondLst>
+                                        </p:cTn>
+                                        <p:tgtEl>
+                                          <p:spTgt spid="35846"/>
+                                        </p:tgtEl>
+                                        <p:attrNameLst>
+                                          <p:attrName>style.visibility</p:attrName>
+                                        </p:attrNameLst>
+                                      </p:cBhvr>
+                                      <p:to>
+                                        <p:strVal val="visible"/>
+                                      </p:to>
+                                    </p:set>
+                                    <p:animEffect transition="in" filter="box(in)">
+                                      <p:cBhvr>
+                                        <p:cTn id="7" dur="500"/>
+                                        <p:tgtEl>
+                                          <p:spTgt spid="35846"/>
+                                        </p:tgtEl>
+                                      </p:cBhvr>
+                                    </p:animEffect>
+                                  </p:childTnLst>
+                                </p:cTn>
+                              </p:par>
+                            </p:childTnLst>
+                          </p:cTn>
+                        </p:par>
+                      </p:childTnLst>
+                    </p:cTn>
+                  </p:par>
+                  <p:par>
+                    <p:cTn id="8" fill="hold" nodeType="clickPar">
+                      <p:stCondLst>
+                        <p:cond delay="indefinite"/>
+                      </p:stCondLst>
+                      <p:childTnLst>
+                        <p:par>
+                          <p:cTn id="9" fill="hold" nodeType="withGroup">
+                            <p:stCondLst>
+                              <p:cond delay="0"/>
+                            </p:stCondLst>
+                            <p:childTnLst>
+                              <p:par>
+                                <p:cTn id="10" presetID="4" presetClass="entr" presetSubtype="16" fill="hold" grpId="0" nodeType="clickEffect">
+                                  <p:stCondLst>
+                                    <p:cond delay="0"/>
+                                  </p:stCondLst>
+                                  <p:childTnLst>
+                                    <p:set>
+                                      <p:cBhvr>
+                                        <p:cTn id="11" dur="1" fill="hold">
+                                          <p:stCondLst>
+                                            <p:cond delay="0"/>
+                                          </p:stCondLst>
+                                        </p:cTn>
+                                        <p:tgtEl>
+                                          <p:spTgt spid="35847"/>
+                                        </p:tgtEl>
+                                        <p:attrNameLst>
+                                          <p:attrName>style.visibility</p:attrName>
+                                        </p:attrNameLst>
+                                      </p:cBhvr>
+                                      <p:to>
+                                        <p:strVal val="visible"/>
+                                      </p:to>
+                                    </p:set>
+                                    <p:animEffect transition="in" filter="box(in)">
+                                      <p:cBhvr>
+                                        <p:cTn id="12" dur="500"/>
+                                        <p:tgtEl>
+                                          <p:spTgt spid="35847"/>
+                                        </p:tgtEl>
+                                      </p:cBhvr>
+                                    </p:animEffect>
+                                  </p:childTnLst>
+                                </p:cTn>
+                              </p:par>
+                            </p:childTnLst>
+                          </p:cTn>
+                        </p:par>
+                      </p:childTnLst>
+                    </p:cTn>
+                  </p:par>
+                  <p:par>
+                    <p:cTn id="13" fill="hold">
+                      <p:stCondLst>
+                        <p:cond delay="indefinite"/>
+                      </p:stCondLst>
+                      <p:childTnLst>
+                        <p:par>
+                          <p:cTn id="14" fill="hold">
+                            <p:stCondLst>
+                              <p:cond delay="0"/>
+                            </p:stCondLst>
+                            <p:childTnLst>
+                              <p:par>
+                                <p:cTn id="15" presetID="4" presetClass="entr" presetSubtype="16" fill="hold" grpId="0" nodeType="clickEffect">
+                                  <p:stCondLst>
+                                    <p:cond delay="0"/>
+                                  </p:stCondLst>
+                                  <p:childTnLst>
+                                    <p:set>
+                                      <p:cBhvr>
+                                        <p:cTn id="16" dur="1" fill="hold">
+                                          <p:stCondLst>
+                                            <p:cond delay="0"/>
+                                          </p:stCondLst>
+                                        </p:cTn>
+                                        <p:tgtEl>
+                                          <p:spTgt spid="9"/>
+                                        </p:tgtEl>
+                                        <p:attrNameLst>
+                                          <p:attrName>style.visibility</p:attrName>
+                                        </p:attrNameLst>
+                                      </p:cBhvr>
+                                      <p:to>
+                                        <p:strVal val="visible"/>
+                                      </p:to>
+                                    </p:set>
+                                    <p:animEffect transition="in" filter="box(in)">
+                                      <p:cBhvr>
+                                        <p:cTn id="17" dur="500"/>
+                                        <p:tgtEl>
+                                          <p:spTgt spid="9"/>
+                                        </p:tgtEl>
+                                      </p:cBhvr>
+                                    </p:animEffect>
+                                  </p:childTnLst>
+                                </p:cTn>
+                              </p:par>
+                            </p:childTnLst>
+                          </p:cTn>
+                        </p:par>
+                      </p:childTnLst>
+                    </p:cTn>
+                  </p:par>
+                  <p:par>
+                    <p:cTn id="18" fill="hold">
+                      <p:stCondLst>
+                        <p:cond delay="indefinite"/>
+                      </p:stCondLst>
+                      <p:childTnLst>
+                        <p:par>
+                          <p:cTn id="19" fill="hold">
+                            <p:stCondLst>
+                              <p:cond delay="0"/>
+                            </p:stCondLst>
+                            <p:childTnLst>
+                              <p:par>
+                                <p:cTn id="20" presetID="1" presetClass="entr" presetSubtype="0" fill="hold" nodeType="clickEffect">
+                                  <p:stCondLst>
+                                    <p:cond delay="0"/>
+                                  </p:stCondLst>
+                                  <p:childTnLst>
+                                    <p:set>
+                                      <p:cBhvr>
+                                        <p:cTn id="21" dur="1" fill="hold">
+                                          <p:stCondLst>
+                                            <p:cond delay="0"/>
+                                          </p:stCondLst>
+                                        </p:cTn>
+                                        <p:tgtEl>
+                                          <p:spTgt spid="2"/>
+                                        </p:tgtEl>
+                                        <p:attrNameLst>
+                                          <p:attrName>style.visibility</p:attrName>
+                                        </p:attrNameLst>
+                                      </p:cBhvr>
+                                      <p:to>
+                                        <p:strVal val="visible"/>
+                                      </p:to>
+                                    </p:set>
+                                  </p:childTnLst>
+                                </p:cTn>
+                              </p:par>
+                            </p:childTnLst>
+                          </p:cTn>
+                        </p:par>
+                      </p:childTnLst>
+                    </p:cTn>
+                  </p:par>
+                </p:childTnLst>
+              </p:cTn>
+              <p:prevCondLst>
+                <p:cond evt="onPrev" delay="0">
+                  <p:tgtEl>
+                    <p:sldTgt/>
+                  </p:tgtEl>
+                </p:cond>
+              </p:prevCondLst>
+              <p:nextCondLst>
+                <p:cond evt="onNext" delay="0">
+                  <p:tgtEl>
+                    <p:sldTgt/>
+                  </p:tgtEl>
+                </p:cond>
+              </p:nextCondLst>
+            </p:seq>
+          </p:childTnLst>
+        </p:cTn>
+      </p:par>
+    </p:tnLst>
+    <p:bldLst>
+      <p:bldP spid="35846" grpId="0"/>
+      <p:bldP spid="35847" grpId="0"/>
+      <p:bldP spid="9" grpId="0"/>
     </p:bldLst>
   </p:timing>
 </p:sld>

--- a/Calendario/Presentaciones/5_1_DHCP.pptx
+++ b/Calendario/Presentaciones/5_1_DHCP.pptx
@@ -8418,7 +8418,7 @@
                 <a:latin typeface="Arial" panose="020B0604020202020204" pitchFamily="34" charset="0"/>
                 <a:cs typeface="Arial" panose="020B0604020202020204" pitchFamily="34" charset="0"/>
               </a:rPr>
-              <a:t> </a:t>
+              <a:t>-server </a:t>
             </a:r>
             <a:r>
               <a:rPr lang="es-MX" sz="1600" dirty="0">
